--- a/Weekly Report_JimChuang.pptx
+++ b/Weekly Report_JimChuang.pptx
@@ -12,17 +12,6 @@
   </p:handoutMasterIdLst>
   <p:sldIdLst>
     <p:sldId id="526" r:id="rId5"/>
-    <p:sldId id="527" r:id="rId13"/>
-    <p:sldId id="528" r:id="rId14"/>
-    <p:sldId id="529" r:id="rId15"/>
-    <p:sldId id="530" r:id="rId16"/>
-    <p:sldId id="531" r:id="rId17"/>
-    <p:sldId id="532" r:id="rId18"/>
-    <p:sldId id="533" r:id="rId19"/>
-    <p:sldId id="534" r:id="rId20"/>
-    <p:sldId id="535" r:id="rId21"/>
-    <p:sldId id="536" r:id="rId22"/>
-    <p:sldId id="537" r:id="rId23"/>
   </p:sldIdLst>
   <p:sldSz cx="9906000" cy="6858000" type="A4"/>
   <p:notesSz cx="6807200" cy="9939338"/>
@@ -266,7 +255,7 @@
           <a:p>
             <a:fld id="{99D8841D-6FBB-498C-8664-9F8FE655BD62}" type="datetimeFigureOut">
               <a:rPr lang="zh-TW" altLang="en-US" smtClean="0"/>
-              <a:t>2025/12/9</a:t>
+              <a:t>2025/12/10</a:t>
             </a:fld>
             <a:endParaRPr lang="zh-TW" altLang="en-US"/>
           </a:p>
@@ -431,7 +420,7 @@
           <a:p>
             <a:fld id="{2068212D-7DBB-445B-AC9D-3EE19CEB042C}" type="datetimeFigureOut">
               <a:rPr lang="zh-TW" altLang="en-US" smtClean="0"/>
-              <a:t>2025/12/9</a:t>
+              <a:t>2025/12/10</a:t>
             </a:fld>
             <a:endParaRPr lang="zh-TW" altLang="en-US"/>
           </a:p>
@@ -2119,1190 +2108,6 @@
 </p:sld>
 </file>
 
-<file path=ppt/slides/slide10.xml><?xml version="1.0" encoding="utf-8"?>
-<p:sld xmlns:a="http://schemas.openxmlformats.org/drawingml/2006/main" xmlns:p="http://schemas.openxmlformats.org/presentationml/2006/main" xmlns:r="http://schemas.openxmlformats.org/officeDocument/2006/relationships">
-  <p:cSld>
-    <p:spTree>
-      <p:nvGrpSpPr>
-        <p:cNvPr id="1" name=""/>
-        <p:cNvGrpSpPr/>
-        <p:nvPr/>
-      </p:nvGrpSpPr>
-      <p:grpSpPr/>
-      <p:sp>
-        <p:nvSpPr>
-          <p:cNvPr id="2" name="Title 1"/>
-          <p:cNvSpPr>
-            <a:spLocks noGrp="1"/>
-          </p:cNvSpPr>
-          <p:nvPr>
-            <p:ph type="title"/>
-          </p:nvPr>
-        </p:nvSpPr>
-        <p:spPr/>
-        <p:txBody>
-          <a:bodyPr/>
-          <a:lstStyle/>
-          <a:p>
-            <a:r>
-              <a:t>BIOS setup 中 power button 無法關機</a:t>
-            </a:r>
-          </a:p>
-        </p:txBody>
-      </p:sp>
-      <p:sp>
-        <p:nvSpPr>
-          <p:cNvPr id="3" name="Content Placeholder 2"/>
-          <p:cNvSpPr>
-            <a:spLocks noGrp="1"/>
-          </p:cNvSpPr>
-          <p:nvPr>
-            <p:ph idx="1"/>
-          </p:nvPr>
-        </p:nvSpPr>
-        <p:spPr/>
-        <p:txBody>
-          <a:bodyPr wrap="square"/>
-          <a:lstStyle/>
-          <a:p/>
-          <a:p>
-            <a:pPr>
-              <a:defRPr b="1" sz="1800"/>
-            </a:pPr>
-            <a:r>
-              <a:t>情境 (Situation)</a:t>
-            </a:r>
-          </a:p>
-          <a:p>
-            <a:pPr lvl="1">
-              <a:defRPr b="0" sz="1600"/>
-            </a:pPr>
-            <a:r>
-              <a:t>在 BIOS setup 中無法按 power button 關機。</a:t>
-            </a:r>
-          </a:p>
-          <a:p>
-            <a:pPr>
-              <a:defRPr b="1" sz="1800"/>
-            </a:pPr>
-            <a:r>
-              <a:t>任務 (Task)</a:t>
-            </a:r>
-          </a:p>
-          <a:p>
-            <a:pPr lvl="1">
-              <a:defRPr b="0" sz="1600"/>
-            </a:pPr>
-            <a:r>
-              <a:t>解決 BIOS setup 中 power button 無法關機的問題。</a:t>
-            </a:r>
-          </a:p>
-          <a:p>
-            <a:pPr>
-              <a:defRPr b="1" sz="1800"/>
-            </a:pPr>
-            <a:r>
-              <a:t>結果 (Result)</a:t>
-            </a:r>
-          </a:p>
-          <a:p>
-            <a:pPr lvl="1">
-              <a:defRPr b="0" sz="1600"/>
-            </a:pPr>
-            <a:r>
-              <a:t>需進一步確認解決方案。目前狀態為 conditional close。</a:t>
-            </a:r>
-          </a:p>
-        </p:txBody>
-      </p:sp>
-    </p:spTree>
-  </p:cSld>
-  <p:clrMapOvr>
-    <a:masterClrMapping/>
-  </p:clrMapOvr>
-</p:sld>
-</file>
-
-<file path=ppt/slides/slide11.xml><?xml version="1.0" encoding="utf-8"?>
-<p:sld xmlns:a="http://schemas.openxmlformats.org/drawingml/2006/main" xmlns:p="http://schemas.openxmlformats.org/presentationml/2006/main" xmlns:r="http://schemas.openxmlformats.org/officeDocument/2006/relationships">
-  <p:cSld>
-    <p:spTree>
-      <p:nvGrpSpPr>
-        <p:cNvPr id="1" name=""/>
-        <p:cNvGrpSpPr/>
-        <p:nvPr/>
-      </p:nvGrpSpPr>
-      <p:grpSpPr/>
-      <p:sp>
-        <p:nvSpPr>
-          <p:cNvPr id="2" name="Title 1"/>
-          <p:cNvSpPr>
-            <a:spLocks noGrp="1"/>
-          </p:cNvSpPr>
-          <p:nvPr>
-            <p:ph type="title"/>
-          </p:nvPr>
-        </p:nvSpPr>
-        <p:spPr/>
-        <p:txBody>
-          <a:bodyPr/>
-          <a:lstStyle/>
-          <a:p>
-            <a:r>
-              <a:t>CPU 650 HW drips 無法完全下沉問題 (BSP 5.0.5)</a:t>
-            </a:r>
-          </a:p>
-        </p:txBody>
-      </p:sp>
-      <p:sp>
-        <p:nvSpPr>
-          <p:cNvPr id="3" name="Content Placeholder 2"/>
-          <p:cNvSpPr>
-            <a:spLocks noGrp="1"/>
-          </p:cNvSpPr>
-          <p:nvPr>
-            <p:ph idx="1"/>
-          </p:nvPr>
-        </p:nvSpPr>
-        <p:spPr/>
-        <p:txBody>
-          <a:bodyPr wrap="square"/>
-          <a:lstStyle/>
-          <a:p/>
-          <a:p>
-            <a:pPr>
-              <a:defRPr b="1" sz="1800"/>
-            </a:pPr>
-            <a:r>
-              <a:t>情境 (Situation)</a:t>
-            </a:r>
-          </a:p>
-          <a:p>
-            <a:pPr lvl="1">
-              <a:defRPr b="0" sz="1600"/>
-            </a:pPr>
-            <a:r>
-              <a:t>BSP 5.0.5 組態已修正 CPU 650 HW drips 問題，但仍有機率性下不去 hwdqdrips (卡 dispsys)。</a:t>
-            </a:r>
-          </a:p>
-          <a:p>
-            <a:pPr lvl="1">
-              <a:defRPr b="0" sz="1600"/>
-            </a:pPr>
-            <a:r>
-              <a:t>Fail Rate:** 10% (下不去 hwdqdrips)。</a:t>
-            </a:r>
-          </a:p>
-          <a:p>
-            <a:pPr>
-              <a:defRPr b="1" sz="1800"/>
-            </a:pPr>
-            <a:r>
-              <a:t>任務 (Task)</a:t>
-            </a:r>
-          </a:p>
-          <a:p>
-            <a:pPr lvl="1">
-              <a:defRPr b="0" sz="1600"/>
-            </a:pPr>
-            <a:r>
-              <a:t>解決 CPU 650 HW drips 無法完全下沉的問題。</a:t>
-            </a:r>
-          </a:p>
-          <a:p>
-            <a:pPr>
-              <a:defRPr b="1" sz="1800"/>
-            </a:pPr>
-            <a:r>
-              <a:t>行動 (Action)</a:t>
-            </a:r>
-          </a:p>
-          <a:p>
-            <a:pPr lvl="1">
-              <a:defRPr b="0" sz="1600"/>
-            </a:pPr>
-            <a:r>
-              <a:t>BSP 5.0.5 組態已修正 CPU 650 HW drips 問題。</a:t>
-            </a:r>
-          </a:p>
-          <a:p>
-            <a:pPr>
-              <a:defRPr b="1" sz="1800"/>
-            </a:pPr>
-            <a:r>
-              <a:t>結果 (Result)</a:t>
-            </a:r>
-          </a:p>
-          <a:p>
-            <a:pPr lvl="1">
-              <a:defRPr b="0" sz="1600"/>
-            </a:pPr>
-            <a:r>
-              <a:t>Nv 還在 debug。平均 Hw drips 有高於 85%。</a:t>
-            </a:r>
-          </a:p>
-        </p:txBody>
-      </p:sp>
-    </p:spTree>
-  </p:cSld>
-  <p:clrMapOvr>
-    <a:masterClrMapping/>
-  </p:clrMapOvr>
-</p:sld>
-</file>
-
-<file path=ppt/slides/slide12.xml><?xml version="1.0" encoding="utf-8"?>
-<p:sld xmlns:a="http://schemas.openxmlformats.org/drawingml/2006/main" xmlns:p="http://schemas.openxmlformats.org/presentationml/2006/main" xmlns:r="http://schemas.openxmlformats.org/officeDocument/2006/relationships">
-  <p:cSld>
-    <p:spTree>
-      <p:nvGrpSpPr>
-        <p:cNvPr id="1" name=""/>
-        <p:cNvGrpSpPr/>
-        <p:nvPr/>
-      </p:nvGrpSpPr>
-      <p:grpSpPr/>
-      <p:sp>
-        <p:nvSpPr>
-          <p:cNvPr id="2" name="Title 1"/>
-          <p:cNvSpPr>
-            <a:spLocks noGrp="1"/>
-          </p:cNvSpPr>
-          <p:nvPr>
-            <p:ph type="title"/>
-          </p:nvPr>
-        </p:nvSpPr>
-        <p:spPr/>
-        <p:txBody>
-          <a:bodyPr/>
-          <a:lstStyle/>
-          <a:p>
-            <a:r>
-              <a:t>Ms 回來後機率性黑屏問題 (BSP 5.0.5)</a:t>
-            </a:r>
-          </a:p>
-        </p:txBody>
-      </p:sp>
-      <p:sp>
-        <p:nvSpPr>
-          <p:cNvPr id="3" name="Content Placeholder 2"/>
-          <p:cNvSpPr>
-            <a:spLocks noGrp="1"/>
-          </p:cNvSpPr>
-          <p:nvPr>
-            <p:ph idx="1"/>
-          </p:nvPr>
-        </p:nvSpPr>
-        <p:spPr/>
-        <p:txBody>
-          <a:bodyPr wrap="square"/>
-          <a:lstStyle/>
-          <a:p/>
-          <a:p>
-            <a:pPr>
-              <a:defRPr b="1" sz="1800"/>
-            </a:pPr>
-            <a:r>
-              <a:t>情境 (Situation)</a:t>
-            </a:r>
-          </a:p>
-          <a:p>
-            <a:pPr lvl="1">
-              <a:defRPr b="0" sz="1600"/>
-            </a:pPr>
-            <a:r>
-              <a:t>BSP 5.0.5 有 Ms 回來後機率性黑屏的問題 (系統還活著)。此問題在 P14/P16 皆有遇到。</a:t>
-            </a:r>
-          </a:p>
-          <a:p>
-            <a:pPr>
-              <a:defRPr b="1" sz="1800"/>
-            </a:pPr>
-            <a:r>
-              <a:t>任務 (Task)</a:t>
-            </a:r>
-          </a:p>
-          <a:p>
-            <a:pPr lvl="1">
-              <a:defRPr b="0" sz="1600"/>
-            </a:pPr>
-            <a:r>
-              <a:t>解決 BSP 5.0.5 Ms 回來後機率性黑屏的問題。</a:t>
-            </a:r>
-          </a:p>
-          <a:p>
-            <a:pPr>
-              <a:defRPr b="1" sz="1800"/>
-            </a:pPr>
-            <a:r>
-              <a:t>行動 (Action)</a:t>
-            </a:r>
-          </a:p>
-          <a:p>
-            <a:pPr lvl="1">
-              <a:defRPr b="0" sz="1600"/>
-            </a:pPr>
-            <a:r>
-              <a:t>已開 case 給 Qc 確認。</a:t>
-            </a:r>
-          </a:p>
-          <a:p>
-            <a:pPr>
-              <a:defRPr b="1" sz="1800"/>
-            </a:pPr>
-            <a:r>
-              <a:t>結果 (Result)</a:t>
-            </a:r>
-          </a:p>
-          <a:p>
-            <a:pPr lvl="1">
-              <a:defRPr b="0" sz="1600"/>
-            </a:pPr>
-            <a:r>
-              <a:t>待 Qc 確認結果並提供解決方案。目前狀態為 conditional close。</a:t>
-            </a:r>
-          </a:p>
-        </p:txBody>
-      </p:sp>
-    </p:spTree>
-  </p:cSld>
-  <p:clrMapOvr>
-    <a:masterClrMapping/>
-  </p:clrMapOvr>
-</p:sld>
-</file>
-
-<file path=ppt/slides/slide2.xml><?xml version="1.0" encoding="utf-8"?>
-<p:sld xmlns:a="http://schemas.openxmlformats.org/drawingml/2006/main" xmlns:p="http://schemas.openxmlformats.org/presentationml/2006/main" xmlns:r="http://schemas.openxmlformats.org/officeDocument/2006/relationships">
-  <p:cSld>
-    <p:spTree>
-      <p:nvGrpSpPr>
-        <p:cNvPr id="1" name=""/>
-        <p:cNvGrpSpPr/>
-        <p:nvPr/>
-      </p:nvGrpSpPr>
-      <p:grpSpPr/>
-      <p:sp>
-        <p:nvSpPr>
-          <p:cNvPr id="2" name="Title 1"/>
-          <p:cNvSpPr>
-            <a:spLocks noGrp="1"/>
-          </p:cNvSpPr>
-          <p:nvPr>
-            <p:ph type="title"/>
-          </p:nvPr>
-        </p:nvSpPr>
-        <p:spPr/>
-        <p:txBody>
-          <a:bodyPr/>
-          <a:lstStyle/>
-          <a:p>
-            <a:r>
-              <a:t>BIOS 底下 Tp 移動緩慢問題</a:t>
-            </a:r>
-          </a:p>
-        </p:txBody>
-      </p:sp>
-      <p:sp>
-        <p:nvSpPr>
-          <p:cNvPr id="3" name="Content Placeholder 2"/>
-          <p:cNvSpPr>
-            <a:spLocks noGrp="1"/>
-          </p:cNvSpPr>
-          <p:nvPr>
-            <p:ph idx="1"/>
-          </p:nvPr>
-        </p:nvSpPr>
-        <p:spPr/>
-        <p:txBody>
-          <a:bodyPr wrap="square"/>
-          <a:lstStyle/>
-          <a:p/>
-          <a:p>
-            <a:pPr>
-              <a:defRPr b="1" sz="1800"/>
-            </a:pPr>
-            <a:r>
-              <a:t>情境 (Situation)</a:t>
-            </a:r>
-          </a:p>
-          <a:p>
-            <a:pPr lvl="1">
-              <a:defRPr b="0" sz="1600"/>
-            </a:pPr>
-            <a:r>
-              <a:t>BIOS 底下 Tp 移動緩慢。</a:t>
-            </a:r>
-          </a:p>
-          <a:p>
-            <a:pPr>
-              <a:defRPr b="1" sz="1800"/>
-            </a:pPr>
-            <a:r>
-              <a:t>任務 (Task)</a:t>
-            </a:r>
-          </a:p>
-          <a:p>
-            <a:pPr lvl="1">
-              <a:defRPr b="0" sz="1600"/>
-            </a:pPr>
-            <a:r>
-              <a:t>解決 BIOS 底下 Tp 移動緩慢問題。</a:t>
-            </a:r>
-          </a:p>
-          <a:p>
-            <a:pPr>
-              <a:defRPr b="1" sz="1800"/>
-            </a:pPr>
-            <a:r>
-              <a:t>結果 (Result)</a:t>
-            </a:r>
-          </a:p>
-          <a:p>
-            <a:pPr lvl="1">
-              <a:defRPr b="0" sz="1600"/>
-            </a:pPr>
-            <a:r>
-              <a:t>待 BIOS 提供新版驗證。</a:t>
-            </a:r>
-          </a:p>
-        </p:txBody>
-      </p:sp>
-    </p:spTree>
-  </p:cSld>
-  <p:clrMapOvr>
-    <a:masterClrMapping/>
-  </p:clrMapOvr>
-</p:sld>
-</file>
-
-<file path=ppt/slides/slide3.xml><?xml version="1.0" encoding="utf-8"?>
-<p:sld xmlns:a="http://schemas.openxmlformats.org/drawingml/2006/main" xmlns:p="http://schemas.openxmlformats.org/presentationml/2006/main" xmlns:r="http://schemas.openxmlformats.org/officeDocument/2006/relationships">
-  <p:cSld>
-    <p:spTree>
-      <p:nvGrpSpPr>
-        <p:cNvPr id="1" name=""/>
-        <p:cNvGrpSpPr/>
-        <p:nvPr/>
-      </p:nvGrpSpPr>
-      <p:grpSpPr/>
-      <p:sp>
-        <p:nvSpPr>
-          <p:cNvPr id="2" name="Title 1"/>
-          <p:cNvSpPr>
-            <a:spLocks noGrp="1"/>
-          </p:cNvSpPr>
-          <p:nvPr>
-            <p:ph type="title"/>
-          </p:nvPr>
-        </p:nvSpPr>
-        <p:spPr/>
-        <p:txBody>
-          <a:bodyPr/>
-          <a:lstStyle/>
-          <a:p>
-            <a:r>
-              <a:t>WinHello ADK &amp; HPD latency 超出 MsFT 規範時間</a:t>
-            </a:r>
-          </a:p>
-        </p:txBody>
-      </p:sp>
-      <p:sp>
-        <p:nvSpPr>
-          <p:cNvPr id="3" name="Content Placeholder 2"/>
-          <p:cNvSpPr>
-            <a:spLocks noGrp="1"/>
-          </p:cNvSpPr>
-          <p:nvPr>
-            <p:ph idx="1"/>
-          </p:nvPr>
-        </p:nvSpPr>
-        <p:spPr/>
-        <p:txBody>
-          <a:bodyPr wrap="square"/>
-          <a:lstStyle/>
-          <a:p/>
-          <a:p>
-            <a:pPr>
-              <a:defRPr b="1" sz="1800"/>
-            </a:pPr>
-            <a:r>
-              <a:t>情境 (Situation)</a:t>
-            </a:r>
-          </a:p>
-          <a:p>
-            <a:pPr lvl="1">
-              <a:defRPr b="0" sz="1600"/>
-            </a:pPr>
-            <a:r>
-              <a:t>WinHello ADK &amp; HPD latency 超出 MsFT 規範時間。</a:t>
-            </a:r>
-          </a:p>
-          <a:p>
-            <a:pPr>
-              <a:defRPr b="1" sz="1800"/>
-            </a:pPr>
-            <a:r>
-              <a:t>任務 (Task)</a:t>
-            </a:r>
-          </a:p>
-          <a:p>
-            <a:pPr lvl="1">
-              <a:defRPr b="0" sz="1600"/>
-            </a:pPr>
-            <a:r>
-              <a:t>解決 WinHello ADK &amp; HPD latency 超出 MsFT 規範時間問題。</a:t>
-            </a:r>
-          </a:p>
-          <a:p>
-            <a:pPr>
-              <a:defRPr b="1" sz="1800"/>
-            </a:pPr>
-            <a:r>
-              <a:t>結果 (Result)</a:t>
-            </a:r>
-          </a:p>
-          <a:p>
-            <a:pPr lvl="1">
-              <a:defRPr b="0" sz="1600"/>
-            </a:pPr>
-            <a:r>
-              <a:t>待新 bsp 更新驗證。</a:t>
-            </a:r>
-          </a:p>
-        </p:txBody>
-      </p:sp>
-    </p:spTree>
-  </p:cSld>
-  <p:clrMapOvr>
-    <a:masterClrMapping/>
-  </p:clrMapOvr>
-</p:sld>
-</file>
-
-<file path=ppt/slides/slide4.xml><?xml version="1.0" encoding="utf-8"?>
-<p:sld xmlns:a="http://schemas.openxmlformats.org/drawingml/2006/main" xmlns:p="http://schemas.openxmlformats.org/presentationml/2006/main" xmlns:r="http://schemas.openxmlformats.org/officeDocument/2006/relationships">
-  <p:cSld>
-    <p:spTree>
-      <p:nvGrpSpPr>
-        <p:cNvPr id="1" name=""/>
-        <p:cNvGrpSpPr/>
-        <p:nvPr/>
-      </p:nvGrpSpPr>
-      <p:grpSpPr/>
-      <p:sp>
-        <p:nvSpPr>
-          <p:cNvPr id="2" name="Title 1"/>
-          <p:cNvSpPr>
-            <a:spLocks noGrp="1"/>
-          </p:cNvSpPr>
-          <p:nvPr>
-            <p:ph type="title"/>
-          </p:nvPr>
-        </p:nvSpPr>
-        <p:spPr/>
-        <p:txBody>
-          <a:bodyPr/>
-          <a:lstStyle/>
-          <a:p>
-            <a:r>
-              <a:t>reboot 後 Windows login screen 前 Two time flash 問題</a:t>
-            </a:r>
-          </a:p>
-        </p:txBody>
-      </p:sp>
-      <p:sp>
-        <p:nvSpPr>
-          <p:cNvPr id="3" name="Content Placeholder 2"/>
-          <p:cNvSpPr>
-            <a:spLocks noGrp="1"/>
-          </p:cNvSpPr>
-          <p:nvPr>
-            <p:ph idx="1"/>
-          </p:nvPr>
-        </p:nvSpPr>
-        <p:spPr/>
-        <p:txBody>
-          <a:bodyPr wrap="square"/>
-          <a:lstStyle/>
-          <a:p/>
-          <a:p>
-            <a:pPr>
-              <a:defRPr b="1" sz="1800"/>
-            </a:pPr>
-            <a:r>
-              <a:t>情境 (Situation)</a:t>
-            </a:r>
-          </a:p>
-          <a:p>
-            <a:pPr lvl="1">
-              <a:defRPr b="0" sz="1600"/>
-            </a:pPr>
-            <a:r>
-              <a:t>reboot 後 Windows login screen 前發生 Two time flash。此為 NV bug:5616026。</a:t>
-            </a:r>
-          </a:p>
-          <a:p>
-            <a:pPr>
-              <a:defRPr b="1" sz="1800"/>
-            </a:pPr>
-            <a:r>
-              <a:t>任務 (Task)</a:t>
-            </a:r>
-          </a:p>
-          <a:p>
-            <a:pPr lvl="1">
-              <a:defRPr b="0" sz="1600"/>
-            </a:pPr>
-            <a:r>
-              <a:t>解決 Two time flash before Windows login screen after reboot 問題。</a:t>
-            </a:r>
-          </a:p>
-          <a:p>
-            <a:pPr>
-              <a:defRPr b="1" sz="1800"/>
-            </a:pPr>
-            <a:r>
-              <a:t>結果 (Result)</a:t>
-            </a:r>
-          </a:p>
-          <a:p>
-            <a:pPr lvl="1">
-              <a:defRPr b="0" sz="1600"/>
-            </a:pPr>
-            <a:r>
-              <a:t>待 NV 解決此 bug。目前狀態為 conditional close。</a:t>
-            </a:r>
-          </a:p>
-        </p:txBody>
-      </p:sp>
-    </p:spTree>
-  </p:cSld>
-  <p:clrMapOvr>
-    <a:masterClrMapping/>
-  </p:clrMapOvr>
-</p:sld>
-</file>
-
-<file path=ppt/slides/slide5.xml><?xml version="1.0" encoding="utf-8"?>
-<p:sld xmlns:a="http://schemas.openxmlformats.org/drawingml/2006/main" xmlns:p="http://schemas.openxmlformats.org/presentationml/2006/main" xmlns:r="http://schemas.openxmlformats.org/officeDocument/2006/relationships">
-  <p:cSld>
-    <p:spTree>
-      <p:nvGrpSpPr>
-        <p:cNvPr id="1" name=""/>
-        <p:cNvGrpSpPr/>
-        <p:nvPr/>
-      </p:nvGrpSpPr>
-      <p:grpSpPr/>
-      <p:sp>
-        <p:nvSpPr>
-          <p:cNvPr id="2" name="Title 1"/>
-          <p:cNvSpPr>
-            <a:spLocks noGrp="1"/>
-          </p:cNvSpPr>
-          <p:nvPr>
-            <p:ph type="title"/>
-          </p:nvPr>
-        </p:nvSpPr>
-        <p:spPr/>
-        <p:txBody>
-          <a:bodyPr/>
-          <a:lstStyle/>
-          <a:p>
-            <a:r>
-              <a:t>HDMI Plug-In 後 LSI Internal Panel 無 Brightness Commands</a:t>
-            </a:r>
-          </a:p>
-        </p:txBody>
-      </p:sp>
-      <p:sp>
-        <p:nvSpPr>
-          <p:cNvPr id="3" name="Content Placeholder 2"/>
-          <p:cNvSpPr>
-            <a:spLocks noGrp="1"/>
-          </p:cNvSpPr>
-          <p:nvPr>
-            <p:ph idx="1"/>
-          </p:nvPr>
-        </p:nvSpPr>
-        <p:spPr/>
-        <p:txBody>
-          <a:bodyPr wrap="square"/>
-          <a:lstStyle/>
-          <a:p/>
-          <a:p>
-            <a:pPr>
-              <a:defRPr b="1" sz="1800"/>
-            </a:pPr>
-            <a:r>
-              <a:t>情境 (Situation)</a:t>
-            </a:r>
-          </a:p>
-          <a:p>
-            <a:pPr lvl="1">
-              <a:defRPr b="0" sz="1600"/>
-            </a:pPr>
-            <a:r>
-              <a:t>HDMI Plug-In 後，LSI Internal Panel 未收到 Brightness Commands。此為 NV bug:5669934。</a:t>
-            </a:r>
-          </a:p>
-          <a:p>
-            <a:pPr>
-              <a:defRPr b="1" sz="1800"/>
-            </a:pPr>
-            <a:r>
-              <a:t>任務 (Task)</a:t>
-            </a:r>
-          </a:p>
-          <a:p>
-            <a:pPr lvl="1">
-              <a:defRPr b="0" sz="1600"/>
-            </a:pPr>
-            <a:r>
-              <a:t>解決 HDMI Plug-In 後 No Brightness Commands Sent to LSI Internal Panel 問題。</a:t>
-            </a:r>
-          </a:p>
-          <a:p>
-            <a:pPr>
-              <a:defRPr b="1" sz="1800"/>
-            </a:pPr>
-            <a:r>
-              <a:t>結果 (Result)</a:t>
-            </a:r>
-          </a:p>
-          <a:p>
-            <a:pPr lvl="1">
-              <a:defRPr b="0" sz="1600"/>
-            </a:pPr>
-            <a:r>
-              <a:t>5.0.4 仍會異常。下一版 Bsp 持續確認。</a:t>
-            </a:r>
-          </a:p>
-        </p:txBody>
-      </p:sp>
-    </p:spTree>
-  </p:cSld>
-  <p:clrMapOvr>
-    <a:masterClrMapping/>
-  </p:clrMapOvr>
-</p:sld>
-</file>
-
-<file path=ppt/slides/slide6.xml><?xml version="1.0" encoding="utf-8"?>
-<p:sld xmlns:a="http://schemas.openxmlformats.org/drawingml/2006/main" xmlns:p="http://schemas.openxmlformats.org/presentationml/2006/main" xmlns:r="http://schemas.openxmlformats.org/officeDocument/2006/relationships">
-  <p:cSld>
-    <p:spTree>
-      <p:nvGrpSpPr>
-        <p:cNvPr id="1" name=""/>
-        <p:cNvGrpSpPr/>
-        <p:nvPr/>
-      </p:nvGrpSpPr>
-      <p:grpSpPr/>
-      <p:sp>
-        <p:nvSpPr>
-          <p:cNvPr id="2" name="Title 1"/>
-          <p:cNvSpPr>
-            <a:spLocks noGrp="1"/>
-          </p:cNvSpPr>
-          <p:nvPr>
-            <p:ph type="title"/>
-          </p:nvPr>
-        </p:nvSpPr>
-        <p:spPr/>
-        <p:txBody>
-          <a:bodyPr/>
-          <a:lstStyle/>
-          <a:p>
-            <a:r>
-              <a:t>Camera launch 偶發失效</a:t>
-            </a:r>
-          </a:p>
-        </p:txBody>
-      </p:sp>
-      <p:sp>
-        <p:nvSpPr>
-          <p:cNvPr id="3" name="Content Placeholder 2"/>
-          <p:cNvSpPr>
-            <a:spLocks noGrp="1"/>
-          </p:cNvSpPr>
-          <p:nvPr>
-            <p:ph idx="1"/>
-          </p:nvPr>
-        </p:nvSpPr>
-        <p:spPr/>
-        <p:txBody>
-          <a:bodyPr wrap="square"/>
-          <a:lstStyle/>
-          <a:p/>
-          <a:p>
-            <a:pPr>
-              <a:defRPr b="1" sz="1800"/>
-            </a:pPr>
-            <a:r>
-              <a:t>情境 (Situation)</a:t>
-            </a:r>
-          </a:p>
-          <a:p>
-            <a:pPr lvl="1">
-              <a:defRPr b="0" sz="1600"/>
-            </a:pPr>
-            <a:r>
-              <a:t>Camera launch 偶發失效。</a:t>
-            </a:r>
-          </a:p>
-          <a:p>
-            <a:pPr>
-              <a:defRPr b="1" sz="1800"/>
-            </a:pPr>
-            <a:r>
-              <a:t>任務 (Task)</a:t>
-            </a:r>
-          </a:p>
-          <a:p>
-            <a:pPr lvl="1">
-              <a:defRPr b="0" sz="1600"/>
-            </a:pPr>
-            <a:r>
-              <a:t>解決 Camera launch 偶發失效問題。</a:t>
-            </a:r>
-          </a:p>
-          <a:p>
-            <a:pPr>
-              <a:defRPr b="1" sz="1800"/>
-            </a:pPr>
-            <a:r>
-              <a:t>結果 (Result)</a:t>
-            </a:r>
-          </a:p>
-          <a:p>
-            <a:pPr lvl="1">
-              <a:defRPr b="0" sz="1600"/>
-            </a:pPr>
-            <a:r>
-              <a:t>待新 bsp 更新驗證。</a:t>
-            </a:r>
-          </a:p>
-        </p:txBody>
-      </p:sp>
-    </p:spTree>
-  </p:cSld>
-  <p:clrMapOvr>
-    <a:masterClrMapping/>
-  </p:clrMapOvr>
-</p:sld>
-</file>
-
-<file path=ppt/slides/slide7.xml><?xml version="1.0" encoding="utf-8"?>
-<p:sld xmlns:a="http://schemas.openxmlformats.org/drawingml/2006/main" xmlns:p="http://schemas.openxmlformats.org/presentationml/2006/main" xmlns:r="http://schemas.openxmlformats.org/officeDocument/2006/relationships">
-  <p:cSld>
-    <p:spTree>
-      <p:nvGrpSpPr>
-        <p:cNvPr id="1" name=""/>
-        <p:cNvGrpSpPr/>
-        <p:nvPr/>
-      </p:nvGrpSpPr>
-      <p:grpSpPr/>
-      <p:sp>
-        <p:nvSpPr>
-          <p:cNvPr id="2" name="Title 1"/>
-          <p:cNvSpPr>
-            <a:spLocks noGrp="1"/>
-          </p:cNvSpPr>
-          <p:nvPr>
-            <p:ph type="title"/>
-          </p:nvPr>
-        </p:nvSpPr>
-        <p:spPr/>
-        <p:txBody>
-          <a:bodyPr/>
-          <a:lstStyle/>
-          <a:p>
-            <a:r>
-              <a:t>device manager 仍然有 Y8</a:t>
-            </a:r>
-          </a:p>
-        </p:txBody>
-      </p:sp>
-      <p:sp>
-        <p:nvSpPr>
-          <p:cNvPr id="3" name="Content Placeholder 2"/>
-          <p:cNvSpPr>
-            <a:spLocks noGrp="1"/>
-          </p:cNvSpPr>
-          <p:nvPr>
-            <p:ph idx="1"/>
-          </p:nvPr>
-        </p:nvSpPr>
-        <p:spPr/>
-        <p:txBody>
-          <a:bodyPr wrap="square"/>
-          <a:lstStyle/>
-          <a:p/>
-          <a:p>
-            <a:pPr>
-              <a:defRPr b="1" sz="1800"/>
-            </a:pPr>
-            <a:r>
-              <a:t>情境 (Situation)</a:t>
-            </a:r>
-          </a:p>
-          <a:p>
-            <a:pPr lvl="1">
-              <a:defRPr b="0" sz="1600"/>
-            </a:pPr>
-            <a:r>
-              <a:t>device manager 仍然顯示 Y8。</a:t>
-            </a:r>
-          </a:p>
-          <a:p>
-            <a:pPr>
-              <a:defRPr b="1" sz="1800"/>
-            </a:pPr>
-            <a:r>
-              <a:t>任務 (Task)</a:t>
-            </a:r>
-          </a:p>
-          <a:p>
-            <a:pPr lvl="1">
-              <a:defRPr b="0" sz="1600"/>
-            </a:pPr>
-            <a:r>
-              <a:t>解決 device manager 中 Y8 的問題。</a:t>
-            </a:r>
-          </a:p>
-          <a:p>
-            <a:pPr>
-              <a:defRPr b="1" sz="1800"/>
-            </a:pPr>
-            <a:r>
-              <a:t>結果 (Result)</a:t>
-            </a:r>
-          </a:p>
-          <a:p>
-            <a:pPr lvl="1">
-              <a:defRPr b="0" sz="1600"/>
-            </a:pPr>
-            <a:r>
-              <a:t>待新 bsp 更新驗證。</a:t>
-            </a:r>
-          </a:p>
-        </p:txBody>
-      </p:sp>
-    </p:spTree>
-  </p:cSld>
-  <p:clrMapOvr>
-    <a:masterClrMapping/>
-  </p:clrMapOvr>
-</p:sld>
-</file>
-
-<file path=ppt/slides/slide8.xml><?xml version="1.0" encoding="utf-8"?>
-<p:sld xmlns:a="http://schemas.openxmlformats.org/drawingml/2006/main" xmlns:p="http://schemas.openxmlformats.org/presentationml/2006/main" xmlns:r="http://schemas.openxmlformats.org/officeDocument/2006/relationships">
-  <p:cSld>
-    <p:spTree>
-      <p:nvGrpSpPr>
-        <p:cNvPr id="1" name=""/>
-        <p:cNvGrpSpPr/>
-        <p:nvPr/>
-      </p:nvGrpSpPr>
-      <p:grpSpPr/>
-      <p:sp>
-        <p:nvSpPr>
-          <p:cNvPr id="2" name="Title 1"/>
-          <p:cNvSpPr>
-            <a:spLocks noGrp="1"/>
-          </p:cNvSpPr>
-          <p:nvPr>
-            <p:ph type="title"/>
-          </p:nvPr>
-        </p:nvSpPr>
-        <p:spPr/>
-        <p:txBody>
-          <a:bodyPr/>
-          <a:lstStyle/>
-          <a:p>
-            <a:r>
-              <a:t>Reboot/cold boot 不預期 reboot 或進入 system repair</a:t>
-            </a:r>
-          </a:p>
-        </p:txBody>
-      </p:sp>
-      <p:sp>
-        <p:nvSpPr>
-          <p:cNvPr id="3" name="Content Placeholder 2"/>
-          <p:cNvSpPr>
-            <a:spLocks noGrp="1"/>
-          </p:cNvSpPr>
-          <p:nvPr>
-            <p:ph idx="1"/>
-          </p:nvPr>
-        </p:nvSpPr>
-        <p:spPr/>
-        <p:txBody>
-          <a:bodyPr wrap="square"/>
-          <a:lstStyle/>
-          <a:p/>
-          <a:p>
-            <a:pPr>
-              <a:defRPr b="1" sz="1800"/>
-            </a:pPr>
-            <a:r>
-              <a:t>情境 (Situation)</a:t>
-            </a:r>
-          </a:p>
-          <a:p>
-            <a:pPr lvl="1">
-              <a:defRPr b="0" sz="1600"/>
-            </a:pPr>
-            <a:r>
-              <a:t>Reboot/cold boot 會有機率不預期 reboot 或進入 system repair。</a:t>
-            </a:r>
-          </a:p>
-          <a:p>
-            <a:pPr>
-              <a:defRPr b="1" sz="1800"/>
-            </a:pPr>
-            <a:r>
-              <a:t>任務 (Task)</a:t>
-            </a:r>
-          </a:p>
-          <a:p>
-            <a:pPr lvl="1">
-              <a:defRPr b="0" sz="1600"/>
-            </a:pPr>
-            <a:r>
-              <a:t>診斷 Reboot/cold boot 不預期 reboot 或進入 system repair 的原因並解決。</a:t>
-            </a:r>
-          </a:p>
-          <a:p>
-            <a:pPr>
-              <a:defRPr b="1" sz="1800"/>
-            </a:pPr>
-            <a:r>
-              <a:t>結果 (Result)</a:t>
-            </a:r>
-          </a:p>
-          <a:p>
-            <a:pPr lvl="1">
-              <a:defRPr b="0" sz="1600"/>
-            </a:pPr>
-            <a:r>
-              <a:t>需進一步診斷問題原因。</a:t>
-            </a:r>
-          </a:p>
-        </p:txBody>
-      </p:sp>
-    </p:spTree>
-  </p:cSld>
-  <p:clrMapOvr>
-    <a:masterClrMapping/>
-  </p:clrMapOvr>
-</p:sld>
-</file>
-
-<file path=ppt/slides/slide9.xml><?xml version="1.0" encoding="utf-8"?>
-<p:sld xmlns:a="http://schemas.openxmlformats.org/drawingml/2006/main" xmlns:p="http://schemas.openxmlformats.org/presentationml/2006/main" xmlns:r="http://schemas.openxmlformats.org/officeDocument/2006/relationships">
-  <p:cSld>
-    <p:spTree>
-      <p:nvGrpSpPr>
-        <p:cNvPr id="1" name=""/>
-        <p:cNvGrpSpPr/>
-        <p:nvPr/>
-      </p:nvGrpSpPr>
-      <p:grpSpPr/>
-      <p:sp>
-        <p:nvSpPr>
-          <p:cNvPr id="2" name="Title 1"/>
-          <p:cNvSpPr>
-            <a:spLocks noGrp="1"/>
-          </p:cNvSpPr>
-          <p:nvPr>
-            <p:ph type="title"/>
-          </p:nvPr>
-        </p:nvSpPr>
-        <p:spPr/>
-        <p:txBody>
-          <a:bodyPr/>
-          <a:lstStyle/>
-          <a:p>
-            <a:r>
-              <a:t>USB Lan usb 在 winpe 中無法識別</a:t>
-            </a:r>
-          </a:p>
-        </p:txBody>
-      </p:sp>
-      <p:sp>
-        <p:nvSpPr>
-          <p:cNvPr id="3" name="Content Placeholder 2"/>
-          <p:cNvSpPr>
-            <a:spLocks noGrp="1"/>
-          </p:cNvSpPr>
-          <p:nvPr>
-            <p:ph idx="1"/>
-          </p:nvPr>
-        </p:nvSpPr>
-        <p:spPr/>
-        <p:txBody>
-          <a:bodyPr wrap="square"/>
-          <a:lstStyle/>
-          <a:p/>
-          <a:p>
-            <a:pPr>
-              <a:defRPr b="1" sz="1800"/>
-            </a:pPr>
-            <a:r>
-              <a:t>情境 (Situation)</a:t>
-            </a:r>
-          </a:p>
-          <a:p>
-            <a:pPr lvl="1">
-              <a:defRPr b="0" sz="1600"/>
-            </a:pPr>
-            <a:r>
-              <a:t>插著 USB Lan usb 開機進到 winpe 會認不到，需要重插拔才認的到。</a:t>
-            </a:r>
-          </a:p>
-          <a:p>
-            <a:pPr>
-              <a:defRPr b="1" sz="1800"/>
-            </a:pPr>
-            <a:r>
-              <a:t>任務 (Task)</a:t>
-            </a:r>
-          </a:p>
-          <a:p>
-            <a:pPr lvl="1">
-              <a:defRPr b="0" sz="1600"/>
-            </a:pPr>
-            <a:r>
-              <a:t>解決 USB Lan usb 在 winpe 中無法識別的問題。</a:t>
-            </a:r>
-          </a:p>
-          <a:p>
-            <a:pPr>
-              <a:defRPr b="1" sz="1800"/>
-            </a:pPr>
-            <a:r>
-              <a:t>結果 (Result)</a:t>
-            </a:r>
-          </a:p>
-          <a:p>
-            <a:pPr lvl="1">
-              <a:defRPr b="0" sz="1600"/>
-            </a:pPr>
-            <a:r>
-              <a:t>此議題會影響生產，PR 上線前需解決，否則工廠可能卡上線或產生額外 cost。</a:t>
-            </a:r>
-          </a:p>
-        </p:txBody>
-      </p:sp>
-    </p:spTree>
-  </p:cSld>
-  <p:clrMapOvr>
-    <a:masterClrMapping/>
-  </p:clrMapOvr>
-</p:sld>
-</file>
-
 <file path=ppt/theme/theme1.xml><?xml version="1.0" encoding="utf-8"?>
 <a:theme xmlns:a="http://schemas.openxmlformats.org/drawingml/2006/main" name="1_自訂設計">
   <a:themeElements>
@@ -4168,17 +2973,6 @@
 </file>
 
 <file path=customXml/item2.xml><?xml version="1.0" encoding="utf-8"?>
-<p:properties xmlns:p="http://schemas.microsoft.com/office/2006/metadata/properties" xmlns:xsi="http://www.w3.org/2001/XMLSchema-instance" xmlns:pc="http://schemas.microsoft.com/office/infopath/2007/PartnerControls">
-  <documentManagement>
-    <lcf76f155ced4ddcb4097134ff3c332f xmlns="b3a16721-18fd-44b7-8ec5-1187ff0df8c4">
-      <Terms xmlns="http://schemas.microsoft.com/office/infopath/2007/PartnerControls"/>
-    </lcf76f155ced4ddcb4097134ff3c332f>
-    <TaxCatchAll xmlns="b853eec5-410e-4fe0-a989-a5cb380187bb" xsi:nil="true"/>
-  </documentManagement>
-</p:properties>
-</file>
-
-<file path=customXml/item3.xml><?xml version="1.0" encoding="utf-8"?>
 <ct:contentTypeSchema xmlns:ct="http://schemas.microsoft.com/office/2006/metadata/contentType" xmlns:ma="http://schemas.microsoft.com/office/2006/metadata/properties/metaAttributes" ct:_="" ma:_="" ma:contentTypeName="Document" ma:contentTypeID="0x010100A174BDEA2024CA409016096F2D7B586B" ma:contentTypeVersion="11" ma:contentTypeDescription="Create a new document." ma:contentTypeScope="" ma:versionID="7787292cacf20c99374fbc3c1ba30b1c">
   <xsd:schema xmlns:xsd="http://www.w3.org/2001/XMLSchema" xmlns:xs="http://www.w3.org/2001/XMLSchema" xmlns:p="http://schemas.microsoft.com/office/2006/metadata/properties" xmlns:ns2="b3a16721-18fd-44b7-8ec5-1187ff0df8c4" xmlns:ns3="b853eec5-410e-4fe0-a989-a5cb380187bb" targetNamespace="http://schemas.microsoft.com/office/2006/metadata/properties" ma:root="true" ma:fieldsID="cd2e1ae1c8b3896f71c45a54ab2fedd8" ns2:_="" ns3:_="">
     <xsd:import namespace="b3a16721-18fd-44b7-8ec5-1187ff0df8c4"/>
@@ -4373,6 +3167,17 @@
 </ct:contentTypeSchema>
 </file>
 
+<file path=customXml/item3.xml><?xml version="1.0" encoding="utf-8"?>
+<p:properties xmlns:p="http://schemas.microsoft.com/office/2006/metadata/properties" xmlns:xsi="http://www.w3.org/2001/XMLSchema-instance" xmlns:pc="http://schemas.microsoft.com/office/infopath/2007/PartnerControls">
+  <documentManagement>
+    <lcf76f155ced4ddcb4097134ff3c332f xmlns="b3a16721-18fd-44b7-8ec5-1187ff0df8c4">
+      <Terms xmlns="http://schemas.microsoft.com/office/infopath/2007/PartnerControls"/>
+    </lcf76f155ced4ddcb4097134ff3c332f>
+    <TaxCatchAll xmlns="b853eec5-410e-4fe0-a989-a5cb380187bb" xsi:nil="true"/>
+  </documentManagement>
+</p:properties>
+</file>
+
 <file path=customXml/itemProps1.xml><?xml version="1.0" encoding="utf-8"?>
 <ds:datastoreItem xmlns:ds="http://schemas.openxmlformats.org/officeDocument/2006/customXml" ds:itemID="{85FAA361-4BD2-404B-8134-52629A7817F4}">
   <ds:schemaRefs>
@@ -4382,23 +3187,6 @@
 </file>
 
 <file path=customXml/itemProps2.xml><?xml version="1.0" encoding="utf-8"?>
-<ds:datastoreItem xmlns:ds="http://schemas.openxmlformats.org/officeDocument/2006/customXml" ds:itemID="{244DF55E-38A3-4201-8002-F0AEF82722E2}">
-  <ds:schemaRefs>
-    <ds:schemaRef ds:uri="http://schemas.openxmlformats.org/package/2006/metadata/core-properties"/>
-    <ds:schemaRef ds:uri="http://schemas.microsoft.com/office/infopath/2007/PartnerControls"/>
-    <ds:schemaRef ds:uri="http://purl.org/dc/terms/"/>
-    <ds:schemaRef ds:uri="http://www.w3.org/XML/1998/namespace"/>
-    <ds:schemaRef ds:uri="http://purl.org/dc/dcmitype/"/>
-    <ds:schemaRef ds:uri="http://purl.org/dc/elements/1.1/"/>
-    <ds:schemaRef ds:uri="http://schemas.microsoft.com/office/2006/documentManagement/types"/>
-    <ds:schemaRef ds:uri="http://schemas.microsoft.com/office/2006/metadata/properties"/>
-    <ds:schemaRef ds:uri="b3a16721-18fd-44b7-8ec5-1187ff0df8c4"/>
-    <ds:schemaRef ds:uri="b853eec5-410e-4fe0-a989-a5cb380187bb"/>
-  </ds:schemaRefs>
-</ds:datastoreItem>
-</file>
-
-<file path=customXml/itemProps3.xml><?xml version="1.0" encoding="utf-8"?>
 <ds:datastoreItem xmlns:ds="http://schemas.openxmlformats.org/officeDocument/2006/customXml" ds:itemID="{85063CF7-8C76-4E14-BD8B-E0C4AF4F36F8}">
   <ds:schemaRefs>
     <ds:schemaRef ds:uri="http://schemas.microsoft.com/office/2006/metadata/contentType"/>
@@ -4417,6 +3205,23 @@
 </ds:datastoreItem>
 </file>
 
+<file path=customXml/itemProps3.xml><?xml version="1.0" encoding="utf-8"?>
+<ds:datastoreItem xmlns:ds="http://schemas.openxmlformats.org/officeDocument/2006/customXml" ds:itemID="{244DF55E-38A3-4201-8002-F0AEF82722E2}">
+  <ds:schemaRefs>
+    <ds:schemaRef ds:uri="http://schemas.openxmlformats.org/package/2006/metadata/core-properties"/>
+    <ds:schemaRef ds:uri="http://schemas.microsoft.com/office/infopath/2007/PartnerControls"/>
+    <ds:schemaRef ds:uri="http://purl.org/dc/terms/"/>
+    <ds:schemaRef ds:uri="http://www.w3.org/XML/1998/namespace"/>
+    <ds:schemaRef ds:uri="http://purl.org/dc/dcmitype/"/>
+    <ds:schemaRef ds:uri="http://purl.org/dc/elements/1.1/"/>
+    <ds:schemaRef ds:uri="http://schemas.microsoft.com/office/2006/documentManagement/types"/>
+    <ds:schemaRef ds:uri="http://schemas.microsoft.com/office/2006/metadata/properties"/>
+    <ds:schemaRef ds:uri="b3a16721-18fd-44b7-8ec5-1187ff0df8c4"/>
+    <ds:schemaRef ds:uri="b853eec5-410e-4fe0-a989-a5cb380187bb"/>
+  </ds:schemaRefs>
+</ds:datastoreItem>
+</file>
+
 <file path=docMetadata/LabelInfo.xml><?xml version="1.0" encoding="utf-8"?>
 <clbl:labelList xmlns:clbl="http://schemas.microsoft.com/office/2020/mipLabelMetadata">
   <clbl:label id="{301f59c4-c269-4a66-8a8c-f5daab211fa3}" enabled="0" method="" siteId="{301f59c4-c269-4a66-8a8c-f5daab211fa3}" removed="1"/>
